--- a/assets/ppt2video_completed.pptx
+++ b/assets/ppt2video_completed.pptx
@@ -3412,13 +3412,13 @@
   <p:clrMapOvr>
     <a:masterClrMapping/>
   </p:clrMapOvr>
-  <mc:AlternateContent xmlns:mc="http://schemas.openxmlformats.org/markup-compatibility/2006">
-    <mc:Choice xmlns:p14="http://schemas.microsoft.com/office/powerpoint/2010/main" Requires="p14">
+  <mc:AlternateContent xmlns:mc="http://schemas.openxmlformats.org/markup-compatibility/2006" xmlns:p14="http://schemas.microsoft.com/office/powerpoint/2010/main">
+    <mc:Choice Requires="p14">
       <p:transition spd="slow" p14:dur="2000" advTm="12000">
         <p:cut/>
       </p:transition>
     </mc:Choice>
-    <mc:Fallback>
+    <mc:Fallback xmlns="">
       <p:transition spd="slow" advTm="12000">
         <p:cut/>
       </p:transition>
@@ -3906,13 +3906,13 @@
   <p:clrMapOvr>
     <a:masterClrMapping/>
   </p:clrMapOvr>
-  <mc:AlternateContent xmlns:mc="http://schemas.openxmlformats.org/markup-compatibility/2006">
-    <mc:Choice xmlns:p14="http://schemas.microsoft.com/office/powerpoint/2010/main" Requires="p14">
+  <mc:AlternateContent xmlns:mc="http://schemas.openxmlformats.org/markup-compatibility/2006" xmlns:p14="http://schemas.microsoft.com/office/powerpoint/2010/main">
+    <mc:Choice Requires="p14">
       <p:transition spd="slow" p14:dur="2000" advTm="47000">
         <p:cut/>
       </p:transition>
     </mc:Choice>
-    <mc:Fallback>
+    <mc:Fallback xmlns="">
       <p:transition spd="slow" advTm="47000">
         <p:cut/>
       </p:transition>
@@ -4114,13 +4114,13 @@
   <p:clrMapOvr>
     <a:masterClrMapping/>
   </p:clrMapOvr>
-  <mc:AlternateContent xmlns:mc="http://schemas.openxmlformats.org/markup-compatibility/2006">
-    <mc:Choice xmlns:p14="http://schemas.microsoft.com/office/powerpoint/2010/main" Requires="p14">
+  <mc:AlternateContent xmlns:mc="http://schemas.openxmlformats.org/markup-compatibility/2006" xmlns:p14="http://schemas.microsoft.com/office/powerpoint/2010/main">
+    <mc:Choice Requires="p14">
       <p:transition spd="slow" p14:dur="2000" advTm="3000">
         <p:cut/>
       </p:transition>
     </mc:Choice>
-    <mc:Fallback>
+    <mc:Fallback xmlns="">
       <p:transition spd="slow" advTm="3000">
         <p:cut/>
       </p:transition>
